--- a/datatoy/파이썬을 이용한 데이터 찾기.pptx
+++ b/datatoy/파이썬을 이용한 데이터 찾기.pptx
@@ -9,9 +9,10 @@
     <p:sldId id="259" r:id="rId3"/>
     <p:sldId id="258" r:id="rId4"/>
     <p:sldId id="260" r:id="rId5"/>
-    <p:sldId id="263" r:id="rId6"/>
-    <p:sldId id="261" r:id="rId7"/>
-    <p:sldId id="264" r:id="rId8"/>
+    <p:sldId id="265" r:id="rId6"/>
+    <p:sldId id="263" r:id="rId7"/>
+    <p:sldId id="261" r:id="rId8"/>
+    <p:sldId id="264" r:id="rId9"/>
   </p:sldIdLst>
   <p:sldSz cx="12192000" cy="6858000"/>
   <p:notesSz cx="6858000" cy="9144000"/>
@@ -4632,210 +4633,47 @@
       </p:grpSpPr>
       <p:sp>
         <p:nvSpPr>
-          <p:cNvPr id="5" name="제목 1">
+          <p:cNvPr id="2" name="제목 1">
             <a:extLst>
               <a:ext uri="{FF2B5EF4-FFF2-40B4-BE49-F238E27FC236}">
-                <a16:creationId xmlns:a16="http://schemas.microsoft.com/office/drawing/2014/main" id="{3856C974-8087-4D48-AEFA-F60FBFC914DF}"/>
+                <a16:creationId xmlns:a16="http://schemas.microsoft.com/office/drawing/2014/main" id="{06E4CADF-60E2-4DA4-B909-39218AF13E02}"/>
               </a:ext>
             </a:extLst>
           </p:cNvPr>
-          <p:cNvSpPr txBox="1">
-            <a:spLocks/>
-          </p:cNvSpPr>
-          <p:nvPr/>
-        </p:nvSpPr>
-        <p:spPr>
-          <a:xfrm>
-            <a:off x="1371600" y="5140354"/>
-            <a:ext cx="9601200" cy="1485900"/>
-          </a:xfrm>
-          <a:prstGeom prst="rect">
-            <a:avLst/>
-          </a:prstGeom>
-        </p:spPr>
-        <p:txBody>
-          <a:bodyPr vert="horz" lIns="91440" tIns="45720" rIns="91440" bIns="45720" rtlCol="0" anchor="t">
-            <a:normAutofit/>
-          </a:bodyPr>
-          <a:lstStyle>
-            <a:lvl1pPr algn="l" defTabSz="914400" rtl="0" eaLnBrk="1" latinLnBrk="1" hangingPunct="1">
-              <a:lnSpc>
-                <a:spcPct val="89000"/>
-              </a:lnSpc>
-              <a:spcBef>
-                <a:spcPct val="0"/>
-              </a:spcBef>
-              <a:buNone/>
-              <a:defRPr sz="4400" kern="1200" baseline="0">
-                <a:solidFill>
-                  <a:schemeClr val="tx2"/>
-                </a:solidFill>
-                <a:latin typeface="+mj-lt"/>
-                <a:ea typeface="+mj-ea"/>
-                <a:cs typeface="+mj-cs"/>
-              </a:defRPr>
-            </a:lvl1pPr>
-          </a:lstStyle>
-          <a:p>
-            <a:endParaRPr lang="ko-KR" altLang="en-US"/>
-          </a:p>
-        </p:txBody>
-      </p:sp>
-      <p:sp>
-        <p:nvSpPr>
-          <p:cNvPr id="6" name="제목 1">
+          <p:cNvSpPr>
+            <a:spLocks noGrp="1"/>
+          </p:cNvSpPr>
+          <p:nvPr>
+            <p:ph type="title"/>
+          </p:nvPr>
+        </p:nvSpPr>
+        <p:spPr/>
+        <p:txBody>
+          <a:bodyPr/>
+          <a:lstStyle/>
+          <a:p>
+            <a:r>
+              <a:rPr lang="ko-KR" altLang="en-US" dirty="0"/>
+              <a:t>승리한 경기중 경기 시간의 분포도</a:t>
+            </a:r>
+          </a:p>
+        </p:txBody>
+      </p:sp>
+      <p:pic>
+        <p:nvPicPr>
+          <p:cNvPr id="5" name="내용 개체 틀 4">
             <a:extLst>
               <a:ext uri="{FF2B5EF4-FFF2-40B4-BE49-F238E27FC236}">
-                <a16:creationId xmlns:a16="http://schemas.microsoft.com/office/drawing/2014/main" id="{AD8339D3-7A75-4FF7-9B34-80ABD3EC5D19}"/>
-              </a:ext>
-            </a:extLst>
-          </p:cNvPr>
-          <p:cNvSpPr txBox="1">
-            <a:spLocks/>
-          </p:cNvSpPr>
-          <p:nvPr/>
-        </p:nvSpPr>
-        <p:spPr>
-          <a:xfrm>
-            <a:off x="1371600" y="5080582"/>
-            <a:ext cx="9601200" cy="1485900"/>
-          </a:xfrm>
-          <a:prstGeom prst="rect">
-            <a:avLst/>
-          </a:prstGeom>
-        </p:spPr>
-        <p:txBody>
-          <a:bodyPr vert="horz" lIns="91440" tIns="45720" rIns="91440" bIns="45720" rtlCol="0" anchor="t">
-            <a:normAutofit/>
-          </a:bodyPr>
-          <a:lstStyle>
-            <a:lvl1pPr algn="l" defTabSz="914400" rtl="0" eaLnBrk="1" latinLnBrk="1" hangingPunct="1">
-              <a:lnSpc>
-                <a:spcPct val="89000"/>
-              </a:lnSpc>
-              <a:spcBef>
-                <a:spcPct val="0"/>
-              </a:spcBef>
-              <a:buNone/>
-              <a:defRPr sz="4400" kern="1200" baseline="0">
-                <a:solidFill>
-                  <a:schemeClr val="tx2"/>
-                </a:solidFill>
-                <a:latin typeface="+mj-lt"/>
-                <a:ea typeface="+mj-ea"/>
-                <a:cs typeface="+mj-cs"/>
-              </a:defRPr>
-            </a:lvl1pPr>
-          </a:lstStyle>
-          <a:p>
-            <a:endParaRPr lang="ko-KR" altLang="en-US" dirty="0"/>
-          </a:p>
-        </p:txBody>
-      </p:sp>
-      <p:sp>
-        <p:nvSpPr>
-          <p:cNvPr id="7" name="제목 1">
-            <a:extLst>
-              <a:ext uri="{FF2B5EF4-FFF2-40B4-BE49-F238E27FC236}">
-                <a16:creationId xmlns:a16="http://schemas.microsoft.com/office/drawing/2014/main" id="{67DAFA53-2382-42AA-A98A-ACFAEAD525EE}"/>
-              </a:ext>
-            </a:extLst>
-          </p:cNvPr>
-          <p:cNvSpPr txBox="1">
-            <a:spLocks/>
-          </p:cNvSpPr>
-          <p:nvPr/>
-        </p:nvSpPr>
-        <p:spPr>
-          <a:xfrm>
-            <a:off x="1371600" y="3556932"/>
-            <a:ext cx="9601200" cy="3069322"/>
-          </a:xfrm>
-          <a:prstGeom prst="rect">
-            <a:avLst/>
-          </a:prstGeom>
-        </p:spPr>
-        <p:txBody>
-          <a:bodyPr vert="horz" lIns="91440" tIns="45720" rIns="91440" bIns="45720" rtlCol="0" anchor="t">
-            <a:normAutofit/>
-          </a:bodyPr>
-          <a:lstStyle>
-            <a:lvl1pPr algn="l" defTabSz="914400" rtl="0" eaLnBrk="1" latinLnBrk="1" hangingPunct="1">
-              <a:lnSpc>
-                <a:spcPct val="89000"/>
-              </a:lnSpc>
-              <a:spcBef>
-                <a:spcPct val="0"/>
-              </a:spcBef>
-              <a:buNone/>
-              <a:defRPr sz="4400" kern="1200" baseline="0">
-                <a:solidFill>
-                  <a:schemeClr val="tx2"/>
-                </a:solidFill>
-                <a:latin typeface="+mj-lt"/>
-                <a:ea typeface="+mj-ea"/>
-                <a:cs typeface="+mj-cs"/>
-              </a:defRPr>
-            </a:lvl1pPr>
-          </a:lstStyle>
-          <a:p>
-            <a:endParaRPr lang="ko-KR" altLang="en-US" dirty="0"/>
-          </a:p>
-        </p:txBody>
-      </p:sp>
-      <p:sp>
-        <p:nvSpPr>
-          <p:cNvPr id="13" name="TextBox 12">
-            <a:extLst>
-              <a:ext uri="{FF2B5EF4-FFF2-40B4-BE49-F238E27FC236}">
-                <a16:creationId xmlns:a16="http://schemas.microsoft.com/office/drawing/2014/main" id="{D4B7A839-8CD0-499A-B0DA-1AB5B67C0B34}"/>
-              </a:ext>
-            </a:extLst>
-          </p:cNvPr>
-          <p:cNvSpPr txBox="1"/>
-          <p:nvPr/>
-        </p:nvSpPr>
-        <p:spPr>
-          <a:xfrm>
-            <a:off x="1219200" y="125835"/>
-            <a:ext cx="9459985" cy="769441"/>
-          </a:xfrm>
-          <a:prstGeom prst="rect">
-            <a:avLst/>
-          </a:prstGeom>
-          <a:noFill/>
-        </p:spPr>
-        <p:txBody>
-          <a:bodyPr wrap="square" rtlCol="0">
-            <a:spAutoFit/>
-          </a:bodyPr>
-          <a:lstStyle/>
-          <a:p>
-            <a:r>
-              <a:rPr lang="ko-KR" altLang="en-US" sz="4400" dirty="0" err="1"/>
-              <a:t>펜타킬을</a:t>
-            </a:r>
-            <a:r>
-              <a:rPr lang="ko-KR" altLang="en-US" sz="4400" dirty="0"/>
-              <a:t> 하고 질확률과 이길 확률</a:t>
-            </a:r>
-            <a:endParaRPr lang="en-US" altLang="ko-KR" sz="4400" dirty="0"/>
-          </a:p>
-        </p:txBody>
-      </p:sp>
-      <p:pic>
-        <p:nvPicPr>
-          <p:cNvPr id="4" name="그림 3">
-            <a:extLst>
-              <a:ext uri="{FF2B5EF4-FFF2-40B4-BE49-F238E27FC236}">
-                <a16:creationId xmlns:a16="http://schemas.microsoft.com/office/drawing/2014/main" id="{7134C567-CC57-4FF7-8072-B12078ACDD8C}"/>
+                <a16:creationId xmlns:a16="http://schemas.microsoft.com/office/drawing/2014/main" id="{8095AE9C-0CC4-47BE-9549-D3733AC2ED0D}"/>
               </a:ext>
             </a:extLst>
           </p:cNvPr>
           <p:cNvPicPr>
-            <a:picLocks noChangeAspect="1"/>
+            <a:picLocks noGrp="1" noChangeAspect="1"/>
           </p:cNvPicPr>
-          <p:nvPr/>
+          <p:nvPr>
+            <p:ph idx="1"/>
+          </p:nvPr>
         </p:nvPicPr>
         <p:blipFill>
           <a:blip r:embed="rId2"/>
@@ -4845,18 +4683,15 @@
         </p:blipFill>
         <p:spPr>
           <a:xfrm>
-            <a:off x="1371600" y="947186"/>
-            <a:ext cx="8489346" cy="5908468"/>
-          </a:xfrm>
-          <a:prstGeom prst="rect">
-            <a:avLst/>
-          </a:prstGeom>
+            <a:off x="2058250" y="2286000"/>
+            <a:ext cx="8227900" cy="3581400"/>
+          </a:xfrm>
         </p:spPr>
       </p:pic>
     </p:spTree>
     <p:extLst>
       <p:ext uri="{BB962C8B-B14F-4D97-AF65-F5344CB8AC3E}">
-        <p14:creationId xmlns:p14="http://schemas.microsoft.com/office/powerpoint/2010/main" val="816781205"/>
+        <p14:creationId xmlns:p14="http://schemas.microsoft.com/office/powerpoint/2010/main" val="2401280860"/>
       </p:ext>
     </p:extLst>
   </p:cSld>
@@ -4885,6 +4720,259 @@
       </p:grpSpPr>
       <p:sp>
         <p:nvSpPr>
+          <p:cNvPr id="5" name="제목 1">
+            <a:extLst>
+              <a:ext uri="{FF2B5EF4-FFF2-40B4-BE49-F238E27FC236}">
+                <a16:creationId xmlns:a16="http://schemas.microsoft.com/office/drawing/2014/main" id="{3856C974-8087-4D48-AEFA-F60FBFC914DF}"/>
+              </a:ext>
+            </a:extLst>
+          </p:cNvPr>
+          <p:cNvSpPr txBox="1">
+            <a:spLocks/>
+          </p:cNvSpPr>
+          <p:nvPr/>
+        </p:nvSpPr>
+        <p:spPr>
+          <a:xfrm>
+            <a:off x="1371600" y="5140354"/>
+            <a:ext cx="9601200" cy="1485900"/>
+          </a:xfrm>
+          <a:prstGeom prst="rect">
+            <a:avLst/>
+          </a:prstGeom>
+        </p:spPr>
+        <p:txBody>
+          <a:bodyPr vert="horz" lIns="91440" tIns="45720" rIns="91440" bIns="45720" rtlCol="0" anchor="t">
+            <a:normAutofit/>
+          </a:bodyPr>
+          <a:lstStyle>
+            <a:lvl1pPr algn="l" defTabSz="914400" rtl="0" eaLnBrk="1" latinLnBrk="1" hangingPunct="1">
+              <a:lnSpc>
+                <a:spcPct val="89000"/>
+              </a:lnSpc>
+              <a:spcBef>
+                <a:spcPct val="0"/>
+              </a:spcBef>
+              <a:buNone/>
+              <a:defRPr sz="4400" kern="1200" baseline="0">
+                <a:solidFill>
+                  <a:schemeClr val="tx2"/>
+                </a:solidFill>
+                <a:latin typeface="+mj-lt"/>
+                <a:ea typeface="+mj-ea"/>
+                <a:cs typeface="+mj-cs"/>
+              </a:defRPr>
+            </a:lvl1pPr>
+          </a:lstStyle>
+          <a:p>
+            <a:endParaRPr lang="ko-KR" altLang="en-US"/>
+          </a:p>
+        </p:txBody>
+      </p:sp>
+      <p:sp>
+        <p:nvSpPr>
+          <p:cNvPr id="6" name="제목 1">
+            <a:extLst>
+              <a:ext uri="{FF2B5EF4-FFF2-40B4-BE49-F238E27FC236}">
+                <a16:creationId xmlns:a16="http://schemas.microsoft.com/office/drawing/2014/main" id="{AD8339D3-7A75-4FF7-9B34-80ABD3EC5D19}"/>
+              </a:ext>
+            </a:extLst>
+          </p:cNvPr>
+          <p:cNvSpPr txBox="1">
+            <a:spLocks/>
+          </p:cNvSpPr>
+          <p:nvPr/>
+        </p:nvSpPr>
+        <p:spPr>
+          <a:xfrm>
+            <a:off x="1371600" y="5080582"/>
+            <a:ext cx="9601200" cy="1485900"/>
+          </a:xfrm>
+          <a:prstGeom prst="rect">
+            <a:avLst/>
+          </a:prstGeom>
+        </p:spPr>
+        <p:txBody>
+          <a:bodyPr vert="horz" lIns="91440" tIns="45720" rIns="91440" bIns="45720" rtlCol="0" anchor="t">
+            <a:normAutofit/>
+          </a:bodyPr>
+          <a:lstStyle>
+            <a:lvl1pPr algn="l" defTabSz="914400" rtl="0" eaLnBrk="1" latinLnBrk="1" hangingPunct="1">
+              <a:lnSpc>
+                <a:spcPct val="89000"/>
+              </a:lnSpc>
+              <a:spcBef>
+                <a:spcPct val="0"/>
+              </a:spcBef>
+              <a:buNone/>
+              <a:defRPr sz="4400" kern="1200" baseline="0">
+                <a:solidFill>
+                  <a:schemeClr val="tx2"/>
+                </a:solidFill>
+                <a:latin typeface="+mj-lt"/>
+                <a:ea typeface="+mj-ea"/>
+                <a:cs typeface="+mj-cs"/>
+              </a:defRPr>
+            </a:lvl1pPr>
+          </a:lstStyle>
+          <a:p>
+            <a:endParaRPr lang="ko-KR" altLang="en-US" dirty="0"/>
+          </a:p>
+        </p:txBody>
+      </p:sp>
+      <p:sp>
+        <p:nvSpPr>
+          <p:cNvPr id="7" name="제목 1">
+            <a:extLst>
+              <a:ext uri="{FF2B5EF4-FFF2-40B4-BE49-F238E27FC236}">
+                <a16:creationId xmlns:a16="http://schemas.microsoft.com/office/drawing/2014/main" id="{67DAFA53-2382-42AA-A98A-ACFAEAD525EE}"/>
+              </a:ext>
+            </a:extLst>
+          </p:cNvPr>
+          <p:cNvSpPr txBox="1">
+            <a:spLocks/>
+          </p:cNvSpPr>
+          <p:nvPr/>
+        </p:nvSpPr>
+        <p:spPr>
+          <a:xfrm>
+            <a:off x="1371600" y="3556932"/>
+            <a:ext cx="9601200" cy="3069322"/>
+          </a:xfrm>
+          <a:prstGeom prst="rect">
+            <a:avLst/>
+          </a:prstGeom>
+        </p:spPr>
+        <p:txBody>
+          <a:bodyPr vert="horz" lIns="91440" tIns="45720" rIns="91440" bIns="45720" rtlCol="0" anchor="t">
+            <a:normAutofit/>
+          </a:bodyPr>
+          <a:lstStyle>
+            <a:lvl1pPr algn="l" defTabSz="914400" rtl="0" eaLnBrk="1" latinLnBrk="1" hangingPunct="1">
+              <a:lnSpc>
+                <a:spcPct val="89000"/>
+              </a:lnSpc>
+              <a:spcBef>
+                <a:spcPct val="0"/>
+              </a:spcBef>
+              <a:buNone/>
+              <a:defRPr sz="4400" kern="1200" baseline="0">
+                <a:solidFill>
+                  <a:schemeClr val="tx2"/>
+                </a:solidFill>
+                <a:latin typeface="+mj-lt"/>
+                <a:ea typeface="+mj-ea"/>
+                <a:cs typeface="+mj-cs"/>
+              </a:defRPr>
+            </a:lvl1pPr>
+          </a:lstStyle>
+          <a:p>
+            <a:endParaRPr lang="ko-KR" altLang="en-US" dirty="0"/>
+          </a:p>
+        </p:txBody>
+      </p:sp>
+      <p:sp>
+        <p:nvSpPr>
+          <p:cNvPr id="13" name="TextBox 12">
+            <a:extLst>
+              <a:ext uri="{FF2B5EF4-FFF2-40B4-BE49-F238E27FC236}">
+                <a16:creationId xmlns:a16="http://schemas.microsoft.com/office/drawing/2014/main" id="{D4B7A839-8CD0-499A-B0DA-1AB5B67C0B34}"/>
+              </a:ext>
+            </a:extLst>
+          </p:cNvPr>
+          <p:cNvSpPr txBox="1"/>
+          <p:nvPr/>
+        </p:nvSpPr>
+        <p:spPr>
+          <a:xfrm>
+            <a:off x="1219200" y="125835"/>
+            <a:ext cx="9459985" cy="769441"/>
+          </a:xfrm>
+          <a:prstGeom prst="rect">
+            <a:avLst/>
+          </a:prstGeom>
+          <a:noFill/>
+        </p:spPr>
+        <p:txBody>
+          <a:bodyPr wrap="square" rtlCol="0">
+            <a:spAutoFit/>
+          </a:bodyPr>
+          <a:lstStyle/>
+          <a:p>
+            <a:r>
+              <a:rPr lang="ko-KR" altLang="en-US" sz="4400" dirty="0" err="1"/>
+              <a:t>펜타킬을</a:t>
+            </a:r>
+            <a:r>
+              <a:rPr lang="ko-KR" altLang="en-US" sz="4400" dirty="0"/>
+              <a:t> 하고 질확률과 이길 확률</a:t>
+            </a:r>
+            <a:endParaRPr lang="en-US" altLang="ko-KR" sz="4400" dirty="0"/>
+          </a:p>
+        </p:txBody>
+      </p:sp>
+      <p:pic>
+        <p:nvPicPr>
+          <p:cNvPr id="4" name="그림 3">
+            <a:extLst>
+              <a:ext uri="{FF2B5EF4-FFF2-40B4-BE49-F238E27FC236}">
+                <a16:creationId xmlns:a16="http://schemas.microsoft.com/office/drawing/2014/main" id="{7134C567-CC57-4FF7-8072-B12078ACDD8C}"/>
+              </a:ext>
+            </a:extLst>
+          </p:cNvPr>
+          <p:cNvPicPr>
+            <a:picLocks noChangeAspect="1"/>
+          </p:cNvPicPr>
+          <p:nvPr/>
+        </p:nvPicPr>
+        <p:blipFill>
+          <a:blip r:embed="rId2"/>
+          <a:stretch>
+            <a:fillRect/>
+          </a:stretch>
+        </p:blipFill>
+        <p:spPr>
+          <a:xfrm>
+            <a:off x="1371600" y="947186"/>
+            <a:ext cx="8489346" cy="5908468"/>
+          </a:xfrm>
+          <a:prstGeom prst="rect">
+            <a:avLst/>
+          </a:prstGeom>
+        </p:spPr>
+      </p:pic>
+    </p:spTree>
+    <p:extLst>
+      <p:ext uri="{BB962C8B-B14F-4D97-AF65-F5344CB8AC3E}">
+        <p14:creationId xmlns:p14="http://schemas.microsoft.com/office/powerpoint/2010/main" val="816781205"/>
+      </p:ext>
+    </p:extLst>
+  </p:cSld>
+  <p:clrMapOvr>
+    <a:masterClrMapping/>
+  </p:clrMapOvr>
+</p:sld>
+</file>
+
+<file path=ppt/slides/slide7.xml><?xml version="1.0" encoding="utf-8"?>
+<p:sld xmlns:a="http://schemas.openxmlformats.org/drawingml/2006/main" xmlns:r="http://schemas.openxmlformats.org/officeDocument/2006/relationships" xmlns:p="http://schemas.openxmlformats.org/presentationml/2006/main">
+  <p:cSld>
+    <p:spTree>
+      <p:nvGrpSpPr>
+        <p:cNvPr id="1" name=""/>
+        <p:cNvGrpSpPr/>
+        <p:nvPr/>
+      </p:nvGrpSpPr>
+      <p:grpSpPr>
+        <a:xfrm>
+          <a:off x="0" y="0"/>
+          <a:ext cx="0" cy="0"/>
+          <a:chOff x="0" y="0"/>
+          <a:chExt cx="0" cy="0"/>
+        </a:xfrm>
+      </p:grpSpPr>
+      <p:sp>
+        <p:nvSpPr>
           <p:cNvPr id="11" name="제목 10">
             <a:extLst>
               <a:ext uri="{FF2B5EF4-FFF2-40B4-BE49-F238E27FC236}">
@@ -4991,7 +5079,7 @@
 </p:sld>
 </file>
 
-<file path=ppt/slides/slide7.xml><?xml version="1.0" encoding="utf-8"?>
+<file path=ppt/slides/slide8.xml><?xml version="1.0" encoding="utf-8"?>
 <p:sld xmlns:a="http://schemas.openxmlformats.org/drawingml/2006/main" xmlns:r="http://schemas.openxmlformats.org/officeDocument/2006/relationships" xmlns:p="http://schemas.openxmlformats.org/presentationml/2006/main">
   <p:cSld>
     <p:spTree>
